--- a/cognitive_music/Cognitive Music.pptx
+++ b/cognitive_music/Cognitive Music.pptx
@@ -6,10 +6,12 @@
   </p:sldMasterIdLst>
   <p:sldIdLst>
     <p:sldId id="256" r:id="rId2"/>
-    <p:sldId id="257" r:id="rId3"/>
-    <p:sldId id="258" r:id="rId4"/>
-    <p:sldId id="259" r:id="rId5"/>
-    <p:sldId id="260" r:id="rId6"/>
+    <p:sldId id="261" r:id="rId3"/>
+    <p:sldId id="262" r:id="rId4"/>
+    <p:sldId id="257" r:id="rId5"/>
+    <p:sldId id="258" r:id="rId6"/>
+    <p:sldId id="259" r:id="rId7"/>
+    <p:sldId id="260" r:id="rId8"/>
   </p:sldIdLst>
   <p:sldSz cx="12192000" cy="6858000"/>
   <p:notesSz cx="6858000" cy="9144000"/>
@@ -3465,15 +3467,7 @@
             <a:pPr algn="l"/>
             <a:r>
               <a:rPr lang="en-US" dirty="0"/>
-              <a:t>Activity-Sensitive Audio </a:t>
-            </a:r>
-            <a:r>
-              <a:rPr lang="en-US"/>
-              <a:t>for Stimulatory </a:t>
-            </a:r>
-            <a:r>
-              <a:rPr lang="en-US" dirty="0"/>
-              <a:t>Cognitive Control</a:t>
+              <a:t>Activity-Sensitive Audio for Stimulatory Cognitive Control</a:t>
             </a:r>
           </a:p>
         </p:txBody>
@@ -3865,6 +3859,308 @@
 </file>
 
 <file path=ppt/slides/slide2.xml><?xml version="1.0" encoding="utf-8"?>
+<p:sld xmlns:a="http://schemas.openxmlformats.org/drawingml/2006/main" xmlns:r="http://schemas.openxmlformats.org/officeDocument/2006/relationships" xmlns:p="http://schemas.openxmlformats.org/presentationml/2006/main">
+  <p:cSld>
+    <p:spTree>
+      <p:nvGrpSpPr>
+        <p:cNvPr id="1" name=""/>
+        <p:cNvGrpSpPr/>
+        <p:nvPr/>
+      </p:nvGrpSpPr>
+      <p:grpSpPr>
+        <a:xfrm>
+          <a:off x="0" y="0"/>
+          <a:ext cx="0" cy="0"/>
+          <a:chOff x="0" y="0"/>
+          <a:chExt cx="0" cy="0"/>
+        </a:xfrm>
+      </p:grpSpPr>
+      <p:sp>
+        <p:nvSpPr>
+          <p:cNvPr id="2" name="Title 1">
+            <a:extLst>
+              <a:ext uri="{FF2B5EF4-FFF2-40B4-BE49-F238E27FC236}">
+                <a16:creationId xmlns:a16="http://schemas.microsoft.com/office/drawing/2014/main" id="{AFD5190C-B0F2-804F-33F3-F025040055E0}"/>
+              </a:ext>
+            </a:extLst>
+          </p:cNvPr>
+          <p:cNvSpPr>
+            <a:spLocks noGrp="1"/>
+          </p:cNvSpPr>
+          <p:nvPr>
+            <p:ph type="title"/>
+          </p:nvPr>
+        </p:nvSpPr>
+        <p:spPr/>
+        <p:txBody>
+          <a:bodyPr/>
+          <a:lstStyle/>
+          <a:p>
+            <a:r>
+              <a:rPr lang="en-US" dirty="0"/>
+              <a:t>Cognitive-Stimulative Harmony</a:t>
+            </a:r>
+          </a:p>
+        </p:txBody>
+      </p:sp>
+      <p:sp>
+        <p:nvSpPr>
+          <p:cNvPr id="3" name="Content Placeholder 2">
+            <a:extLst>
+              <a:ext uri="{FF2B5EF4-FFF2-40B4-BE49-F238E27FC236}">
+                <a16:creationId xmlns:a16="http://schemas.microsoft.com/office/drawing/2014/main" id="{8375F13B-C8E0-6ADD-54A0-DA798F873E7A}"/>
+              </a:ext>
+            </a:extLst>
+          </p:cNvPr>
+          <p:cNvSpPr>
+            <a:spLocks noGrp="1"/>
+          </p:cNvSpPr>
+          <p:nvPr>
+            <p:ph idx="1"/>
+          </p:nvPr>
+        </p:nvSpPr>
+        <p:spPr/>
+        <p:txBody>
+          <a:bodyPr/>
+          <a:lstStyle/>
+          <a:p>
+            <a:r>
+              <a:rPr lang="en-US" dirty="0"/>
+              <a:t>Stride into your lecture hall, accompanied by wave of synth.</a:t>
+            </a:r>
+          </a:p>
+          <a:p>
+            <a:r>
+              <a:rPr lang="en-US" dirty="0"/>
+              <a:t>Concentrate on work with sensitive music &amp; inhibitory filtration.</a:t>
+            </a:r>
+          </a:p>
+          <a:p>
+            <a:r>
+              <a:rPr lang="en-US" dirty="0"/>
+              <a:t>Start your sprint with the music building as you push harder.</a:t>
+            </a:r>
+          </a:p>
+          <a:p>
+            <a:pPr marL="0" indent="0">
+              <a:buNone/>
+            </a:pPr>
+            <a:endParaRPr lang="en-US" dirty="0"/>
+          </a:p>
+          <a:p>
+            <a:pPr marL="0" indent="0">
+              <a:buNone/>
+            </a:pPr>
+            <a:r>
+              <a:rPr lang="en-US" dirty="0"/>
+              <a:t>Control life experience with finetuned audio-cognitive congruence</a:t>
+            </a:r>
+          </a:p>
+        </p:txBody>
+      </p:sp>
+    </p:spTree>
+    <p:extLst>
+      <p:ext uri="{BB962C8B-B14F-4D97-AF65-F5344CB8AC3E}">
+        <p14:creationId xmlns:p14="http://schemas.microsoft.com/office/powerpoint/2010/main" val="90569231"/>
+      </p:ext>
+    </p:extLst>
+  </p:cSld>
+  <p:clrMapOvr>
+    <a:masterClrMapping/>
+  </p:clrMapOvr>
+</p:sld>
+</file>
+
+<file path=ppt/slides/slide3.xml><?xml version="1.0" encoding="utf-8"?>
+<p:sld xmlns:a="http://schemas.openxmlformats.org/drawingml/2006/main" xmlns:r="http://schemas.openxmlformats.org/officeDocument/2006/relationships" xmlns:p="http://schemas.openxmlformats.org/presentationml/2006/main">
+  <p:cSld>
+    <p:spTree>
+      <p:nvGrpSpPr>
+        <p:cNvPr id="1" name=""/>
+        <p:cNvGrpSpPr/>
+        <p:nvPr/>
+      </p:nvGrpSpPr>
+      <p:grpSpPr>
+        <a:xfrm>
+          <a:off x="0" y="0"/>
+          <a:ext cx="0" cy="0"/>
+          <a:chOff x="0" y="0"/>
+          <a:chExt cx="0" cy="0"/>
+        </a:xfrm>
+      </p:grpSpPr>
+      <p:sp>
+        <p:nvSpPr>
+          <p:cNvPr id="2" name="Title 1">
+            <a:extLst>
+              <a:ext uri="{FF2B5EF4-FFF2-40B4-BE49-F238E27FC236}">
+                <a16:creationId xmlns:a16="http://schemas.microsoft.com/office/drawing/2014/main" id="{2C06CCD2-79DA-D360-A7D9-24231CB25782}"/>
+              </a:ext>
+            </a:extLst>
+          </p:cNvPr>
+          <p:cNvSpPr>
+            <a:spLocks noGrp="1"/>
+          </p:cNvSpPr>
+          <p:nvPr>
+            <p:ph type="title"/>
+          </p:nvPr>
+        </p:nvSpPr>
+        <p:spPr/>
+        <p:txBody>
+          <a:bodyPr/>
+          <a:lstStyle/>
+          <a:p>
+            <a:r>
+              <a:rPr lang="en-US" dirty="0"/>
+              <a:t>Related Work</a:t>
+            </a:r>
+          </a:p>
+        </p:txBody>
+      </p:sp>
+      <p:sp>
+        <p:nvSpPr>
+          <p:cNvPr id="3" name="Content Placeholder 2">
+            <a:extLst>
+              <a:ext uri="{FF2B5EF4-FFF2-40B4-BE49-F238E27FC236}">
+                <a16:creationId xmlns:a16="http://schemas.microsoft.com/office/drawing/2014/main" id="{94803F9C-8B97-6AE1-3091-F42D23562524}"/>
+              </a:ext>
+            </a:extLst>
+          </p:cNvPr>
+          <p:cNvSpPr>
+            <a:spLocks noGrp="1"/>
+          </p:cNvSpPr>
+          <p:nvPr>
+            <p:ph idx="1"/>
+          </p:nvPr>
+        </p:nvSpPr>
+        <p:spPr>
+          <a:xfrm>
+            <a:off x="838199" y="1825625"/>
+            <a:ext cx="10515601" cy="4351338"/>
+          </a:xfrm>
+        </p:spPr>
+        <p:txBody>
+          <a:bodyPr/>
+          <a:lstStyle/>
+          <a:p>
+            <a:r>
+              <a:rPr lang="en-US" dirty="0">
+                <a:hlinkClick r:id="rId2"/>
+              </a:rPr>
+              <a:t>Sensory Processing </a:t>
+            </a:r>
+            <a:r>
+              <a:rPr lang="en-US" dirty="0"/>
+              <a:t>in Autism Spectrum Disorders (</a:t>
+            </a:r>
+            <a:r>
+              <a:rPr lang="en-US" sz="1200" i="0" dirty="0">
+                <a:effectLst/>
+                <a:latin typeface="Source Sans Pro Web"/>
+              </a:rPr>
+              <a:t>Pediatric Research Foundation</a:t>
+            </a:r>
+            <a:r>
+              <a:rPr lang="en-US" i="0" dirty="0">
+                <a:effectLst/>
+                <a:latin typeface="Source Sans Pro Web"/>
+              </a:rPr>
+              <a:t>)</a:t>
+            </a:r>
+            <a:endParaRPr lang="en-US" dirty="0"/>
+          </a:p>
+          <a:p>
+            <a:r>
+              <a:rPr lang="en-US" dirty="0"/>
+              <a:t>Prof. DiCarlo’s work on </a:t>
+            </a:r>
+            <a:r>
+              <a:rPr lang="en-US" dirty="0">
+                <a:hlinkClick r:id="rId3"/>
+              </a:rPr>
+              <a:t>human visual-perceptive control</a:t>
+            </a:r>
+            <a:endParaRPr lang="en-US" dirty="0"/>
+          </a:p>
+          <a:p>
+            <a:r>
+              <a:rPr lang="en-US" dirty="0">
+                <a:hlinkClick r:id="rId4"/>
+              </a:rPr>
+              <a:t>State of Generative Music </a:t>
+            </a:r>
+            <a:r>
+              <a:rPr lang="en-US" dirty="0"/>
+              <a:t>&amp; Audio-Generative Architectures</a:t>
+            </a:r>
+          </a:p>
+          <a:p>
+            <a:r>
+              <a:rPr lang="en-US" dirty="0"/>
+              <a:t>MIT Media Lab’s </a:t>
+            </a:r>
+            <a:r>
+              <a:rPr lang="en-US" dirty="0">
+                <a:hlinkClick r:id="rId5"/>
+              </a:rPr>
+              <a:t>Semantic Synth Programming</a:t>
+            </a:r>
+            <a:endParaRPr lang="en-US" dirty="0"/>
+          </a:p>
+          <a:p>
+            <a:r>
+              <a:rPr lang="en-US" dirty="0"/>
+              <a:t>NVIDIA Triton </a:t>
+            </a:r>
+            <a:r>
+              <a:rPr lang="en-US" dirty="0">
+                <a:hlinkClick r:id="rId6"/>
+              </a:rPr>
+              <a:t>Temporal Fusion Transformer </a:t>
+            </a:r>
+            <a:r>
+              <a:rPr lang="en-US" dirty="0"/>
+              <a:t>Architecture (OS)</a:t>
+            </a:r>
+          </a:p>
+          <a:p>
+            <a:r>
+              <a:rPr lang="en-US" dirty="0" err="1"/>
+              <a:t>Mesgarani</a:t>
+            </a:r>
+            <a:r>
+              <a:rPr lang="en-US" dirty="0"/>
+              <a:t> N.A.P. Lab work on </a:t>
+            </a:r>
+            <a:r>
+              <a:rPr lang="en-US" dirty="0">
+                <a:hlinkClick r:id="rId7"/>
+              </a:rPr>
+              <a:t>BCI-Augmented Attentional Control</a:t>
+            </a:r>
+            <a:endParaRPr lang="en-US" dirty="0"/>
+          </a:p>
+          <a:p>
+            <a:endParaRPr lang="en-US" dirty="0"/>
+          </a:p>
+          <a:p>
+            <a:endParaRPr lang="en-US" dirty="0"/>
+          </a:p>
+        </p:txBody>
+      </p:sp>
+    </p:spTree>
+    <p:extLst>
+      <p:ext uri="{BB962C8B-B14F-4D97-AF65-F5344CB8AC3E}">
+        <p14:creationId xmlns:p14="http://schemas.microsoft.com/office/powerpoint/2010/main" val="2867171820"/>
+      </p:ext>
+    </p:extLst>
+  </p:cSld>
+  <p:clrMapOvr>
+    <a:masterClrMapping/>
+  </p:clrMapOvr>
+</p:sld>
+</file>
+
+<file path=ppt/slides/slide4.xml><?xml version="1.0" encoding="utf-8"?>
 <p:sld xmlns:a="http://schemas.openxmlformats.org/drawingml/2006/main" xmlns:r="http://schemas.openxmlformats.org/officeDocument/2006/relationships" xmlns:p="http://schemas.openxmlformats.org/presentationml/2006/main">
   <p:cSld>
     <p:bg>
@@ -4733,11 +5029,11 @@
               <a:rPr lang="en-US" sz="2200" dirty="0">
                 <a:hlinkClick r:id="rId3"/>
               </a:rPr>
-              <a:t>brain Digital Twin inverse-path modeling</a:t>
+              <a:t>visual perturbation modeling</a:t>
             </a:r>
             <a:r>
               <a:rPr lang="en-US" sz="2200" dirty="0"/>
-              <a:t>, esp. research needs, academic grounding</a:t>
+              <a:t>, esp. inverse problem, research needs, academic grounding</a:t>
             </a:r>
           </a:p>
           <a:p>
@@ -4846,7 +5142,7 @@
 </p:sld>
 </file>
 
-<file path=ppt/slides/slide3.xml><?xml version="1.0" encoding="utf-8"?>
+<file path=ppt/slides/slide5.xml><?xml version="1.0" encoding="utf-8"?>
 <p:sld xmlns:a="http://schemas.openxmlformats.org/drawingml/2006/main" xmlns:r="http://schemas.openxmlformats.org/officeDocument/2006/relationships" xmlns:p="http://schemas.openxmlformats.org/presentationml/2006/main">
   <p:cSld>
     <p:bg>
@@ -5665,7 +5961,7 @@
 </p:sld>
 </file>
 
-<file path=ppt/slides/slide4.xml><?xml version="1.0" encoding="utf-8"?>
+<file path=ppt/slides/slide6.xml><?xml version="1.0" encoding="utf-8"?>
 <p:sld xmlns:a="http://schemas.openxmlformats.org/drawingml/2006/main" xmlns:r="http://schemas.openxmlformats.org/officeDocument/2006/relationships" xmlns:p="http://schemas.openxmlformats.org/presentationml/2006/main">
   <p:cSld>
     <p:spTree>
@@ -5815,7 +6111,7 @@
 </p:sld>
 </file>
 
-<file path=ppt/slides/slide5.xml><?xml version="1.0" encoding="utf-8"?>
+<file path=ppt/slides/slide7.xml><?xml version="1.0" encoding="utf-8"?>
 <p:sld xmlns:a="http://schemas.openxmlformats.org/drawingml/2006/main" xmlns:r="http://schemas.openxmlformats.org/officeDocument/2006/relationships" xmlns:p="http://schemas.openxmlformats.org/presentationml/2006/main">
   <p:cSld>
     <p:spTree>
@@ -5853,32 +6149,98 @@
           <a:bodyPr/>
           <a:lstStyle/>
           <a:p>
+            <a:r>
+              <a:rPr lang="en-US" dirty="0"/>
+              <a:t>Notes</a:t>
+            </a:r>
+          </a:p>
+        </p:txBody>
+      </p:sp>
+      <p:sp>
+        <p:nvSpPr>
+          <p:cNvPr id="3" name="Content Placeholder 2">
+            <a:extLst>
+              <a:ext uri="{FF2B5EF4-FFF2-40B4-BE49-F238E27FC236}">
+                <a16:creationId xmlns:a16="http://schemas.microsoft.com/office/drawing/2014/main" id="{26C713B5-76A1-8353-0C39-3978703A85AA}"/>
+              </a:ext>
+            </a:extLst>
+          </p:cNvPr>
+          <p:cNvSpPr>
+            <a:spLocks noGrp="1"/>
+          </p:cNvSpPr>
+          <p:nvPr>
+            <p:ph idx="1"/>
+          </p:nvPr>
+        </p:nvSpPr>
+        <p:spPr/>
+        <p:txBody>
+          <a:bodyPr/>
+          <a:lstStyle/>
+          <a:p>
+            <a:r>
+              <a:rPr lang="en-US" dirty="0"/>
+              <a:t>Look into game music control</a:t>
+            </a:r>
+          </a:p>
+          <a:p>
             <a:endParaRPr lang="en-US" dirty="0"/>
           </a:p>
-        </p:txBody>
-      </p:sp>
-      <p:sp>
-        <p:nvSpPr>
-          <p:cNvPr id="3" name="Content Placeholder 2">
-            <a:extLst>
-              <a:ext uri="{FF2B5EF4-FFF2-40B4-BE49-F238E27FC236}">
-                <a16:creationId xmlns:a16="http://schemas.microsoft.com/office/drawing/2014/main" id="{26C713B5-76A1-8353-0C39-3978703A85AA}"/>
-              </a:ext>
-            </a:extLst>
-          </p:cNvPr>
-          <p:cNvSpPr>
-            <a:spLocks noGrp="1"/>
-          </p:cNvSpPr>
-          <p:nvPr>
-            <p:ph idx="1"/>
-          </p:nvPr>
-        </p:nvSpPr>
-        <p:spPr/>
-        <p:txBody>
-          <a:bodyPr/>
-          <a:lstStyle/>
-          <a:p>
-            <a:endParaRPr lang="en-US"/>
+          <a:p>
+            <a:endParaRPr lang="en-US" dirty="0"/>
+          </a:p>
+          <a:p>
+            <a:pPr marL="0" indent="0">
+              <a:buNone/>
+            </a:pPr>
+            <a:endParaRPr lang="en-US" dirty="0"/>
+          </a:p>
+        </p:txBody>
+      </p:sp>
+      <p:sp>
+        <p:nvSpPr>
+          <p:cNvPr id="4" name="TextBox 3">
+            <a:extLst>
+              <a:ext uri="{FF2B5EF4-FFF2-40B4-BE49-F238E27FC236}">
+                <a16:creationId xmlns:a16="http://schemas.microsoft.com/office/drawing/2014/main" id="{72E3398E-A80D-B28E-C20D-56817360F315}"/>
+              </a:ext>
+            </a:extLst>
+          </p:cNvPr>
+          <p:cNvSpPr txBox="1"/>
+          <p:nvPr/>
+        </p:nvSpPr>
+        <p:spPr>
+          <a:xfrm>
+            <a:off x="2639834" y="6169709"/>
+            <a:ext cx="9603976" cy="646331"/>
+          </a:xfrm>
+          <a:prstGeom prst="rect">
+            <a:avLst/>
+          </a:prstGeom>
+          <a:noFill/>
+        </p:spPr>
+        <p:txBody>
+          <a:bodyPr wrap="none" rtlCol="0">
+            <a:spAutoFit/>
+          </a:bodyPr>
+          <a:lstStyle/>
+          <a:p>
+            <a:r>
+              <a:rPr lang="en-US" dirty="0"/>
+              <a:t>Research Development &amp; Patent Pending – contact </a:t>
+            </a:r>
+            <a:r>
+              <a:rPr lang="en-US" dirty="0">
+                <a:hlinkClick r:id="rId2"/>
+              </a:rPr>
+              <a:t>liam.s.mchugh@gmail.com</a:t>
+            </a:r>
+            <a:r>
+              <a:rPr lang="en-US" dirty="0"/>
+              <a:t> for more details</a:t>
+            </a:r>
+          </a:p>
+          <a:p>
+            <a:endParaRPr lang="en-US" dirty="0"/>
           </a:p>
         </p:txBody>
       </p:sp>
